--- a/CapstoneSlides/CapstoneClass20.pptx
+++ b/CapstoneSlides/CapstoneClass20.pptx
@@ -229,7 +229,7 @@
           <a:p>
             <a:fld id="{C24322AF-E05B-7249-906C-FBAC6154C037}" type="datetimeFigureOut">
               <a:rPr lang="en-US" smtClean="0"/>
-              <a:t>6/18/25</a:t>
+              <a:t>6/19/25</a:t>
             </a:fld>
             <a:endParaRPr lang="en-US"/>
           </a:p>
@@ -395,7 +395,7 @@
             <a:fld id="{06A43BE5-3BD4-F642-8751-88A31D8D6D13}" type="datetimeFigureOut">
               <a:rPr lang="en-US" smtClean="0"/>
               <a:pPr/>
-              <a:t>6/18/25</a:t>
+              <a:t>6/19/25</a:t>
             </a:fld>
             <a:endParaRPr lang="en-US"/>
           </a:p>
@@ -938,7 +938,7 @@
             <a:fld id="{A4FA2B0E-4818-9849-9CF1-1031FD4E1DAB}" type="datetimeFigureOut">
               <a:rPr lang="en-US" smtClean="0"/>
               <a:pPr/>
-              <a:t>6/18/25</a:t>
+              <a:t>6/19/25</a:t>
             </a:fld>
             <a:endParaRPr lang="en-US"/>
           </a:p>
@@ -1103,7 +1103,7 @@
             <a:fld id="{A4FA2B0E-4818-9849-9CF1-1031FD4E1DAB}" type="datetimeFigureOut">
               <a:rPr lang="en-US" smtClean="0"/>
               <a:pPr/>
-              <a:t>6/18/25</a:t>
+              <a:t>6/19/25</a:t>
             </a:fld>
             <a:endParaRPr lang="en-US"/>
           </a:p>
@@ -1278,7 +1278,7 @@
             <a:fld id="{A4FA2B0E-4818-9849-9CF1-1031FD4E1DAB}" type="datetimeFigureOut">
               <a:rPr lang="en-US" smtClean="0"/>
               <a:pPr/>
-              <a:t>6/18/25</a:t>
+              <a:t>6/19/25</a:t>
             </a:fld>
             <a:endParaRPr lang="en-US"/>
           </a:p>
@@ -1443,7 +1443,7 @@
             <a:fld id="{A4FA2B0E-4818-9849-9CF1-1031FD4E1DAB}" type="datetimeFigureOut">
               <a:rPr lang="en-US" smtClean="0"/>
               <a:pPr/>
-              <a:t>6/18/25</a:t>
+              <a:t>6/19/25</a:t>
             </a:fld>
             <a:endParaRPr lang="en-US"/>
           </a:p>
@@ -1685,7 +1685,7 @@
             <a:fld id="{A4FA2B0E-4818-9849-9CF1-1031FD4E1DAB}" type="datetimeFigureOut">
               <a:rPr lang="en-US" smtClean="0"/>
               <a:pPr/>
-              <a:t>6/18/25</a:t>
+              <a:t>6/19/25</a:t>
             </a:fld>
             <a:endParaRPr lang="en-US"/>
           </a:p>
@@ -1967,7 +1967,7 @@
             <a:fld id="{A4FA2B0E-4818-9849-9CF1-1031FD4E1DAB}" type="datetimeFigureOut">
               <a:rPr lang="en-US" smtClean="0"/>
               <a:pPr/>
-              <a:t>6/18/25</a:t>
+              <a:t>6/19/25</a:t>
             </a:fld>
             <a:endParaRPr lang="en-US"/>
           </a:p>
@@ -2383,7 +2383,7 @@
             <a:fld id="{A4FA2B0E-4818-9849-9CF1-1031FD4E1DAB}" type="datetimeFigureOut">
               <a:rPr lang="en-US" smtClean="0"/>
               <a:pPr/>
-              <a:t>6/18/25</a:t>
+              <a:t>6/19/25</a:t>
             </a:fld>
             <a:endParaRPr lang="en-US"/>
           </a:p>
@@ -2497,7 +2497,7 @@
             <a:fld id="{A4FA2B0E-4818-9849-9CF1-1031FD4E1DAB}" type="datetimeFigureOut">
               <a:rPr lang="en-US" smtClean="0"/>
               <a:pPr/>
-              <a:t>6/18/25</a:t>
+              <a:t>6/19/25</a:t>
             </a:fld>
             <a:endParaRPr lang="en-US"/>
           </a:p>
@@ -2589,7 +2589,7 @@
             <a:fld id="{A4FA2B0E-4818-9849-9CF1-1031FD4E1DAB}" type="datetimeFigureOut">
               <a:rPr lang="en-US" smtClean="0"/>
               <a:pPr/>
-              <a:t>6/18/25</a:t>
+              <a:t>6/19/25</a:t>
             </a:fld>
             <a:endParaRPr lang="en-US"/>
           </a:p>
@@ -2861,7 +2861,7 @@
             <a:fld id="{A4FA2B0E-4818-9849-9CF1-1031FD4E1DAB}" type="datetimeFigureOut">
               <a:rPr lang="en-US" smtClean="0"/>
               <a:pPr/>
-              <a:t>6/18/25</a:t>
+              <a:t>6/19/25</a:t>
             </a:fld>
             <a:endParaRPr lang="en-US"/>
           </a:p>
@@ -3110,7 +3110,7 @@
             <a:fld id="{A4FA2B0E-4818-9849-9CF1-1031FD4E1DAB}" type="datetimeFigureOut">
               <a:rPr lang="en-US" smtClean="0"/>
               <a:pPr/>
-              <a:t>6/18/25</a:t>
+              <a:t>6/19/25</a:t>
             </a:fld>
             <a:endParaRPr lang="en-US"/>
           </a:p>
@@ -3318,7 +3318,7 @@
             <a:fld id="{A4FA2B0E-4818-9849-9CF1-1031FD4E1DAB}" type="datetimeFigureOut">
               <a:rPr lang="en-US" smtClean="0"/>
               <a:pPr/>
-              <a:t>6/18/25</a:t>
+              <a:t>6/19/25</a:t>
             </a:fld>
             <a:endParaRPr lang="en-US"/>
           </a:p>
@@ -4326,7 +4326,7 @@
                 <a:ea typeface="MS Mincho" panose="02020609040205080304" pitchFamily="49" charset="-128"/>
                 <a:cs typeface="Times New Roman" panose="02020603050405020304" pitchFamily="18" charset="0"/>
               </a:rPr>
-              <a:t>The abstract should be submitted via e-mail to the instructor by the end of this week</a:t>
+              <a:t>The abstract should be submitted electronically by the end of this week</a:t>
             </a:r>
           </a:p>
           <a:p>
@@ -4351,7 +4351,7 @@
                 <a:ea typeface="MS Mincho" panose="02020609040205080304" pitchFamily="49" charset="-128"/>
                 <a:cs typeface="Times New Roman" panose="02020603050405020304" pitchFamily="18" charset="0"/>
               </a:rPr>
-              <a:t>The instructor will anonymize all abstracts and send them around, so everybody can read the proposals for next week’s classes in which we will have mock panel reviews</a:t>
+              <a:t>The instructor will anonymize all abstracts and share them, so everybody can read the proposals for next week’s classes in which we will have mock panel reviews</a:t>
             </a:r>
           </a:p>
         </p:txBody>
